--- a/презентация.pptx
+++ b/презентация.pptx
@@ -18,41 +18,44 @@
     <p:sldId id="262" r:id="rId11"/>
     <p:sldId id="263" r:id="rId12"/>
     <p:sldId id="264" r:id="rId13"/>
-    <p:sldId id="265" r:id="rId14"/>
+    <p:sldId id="267" r:id="rId14"/>
+    <p:sldId id="268" r:id="rId15"/>
+    <p:sldId id="269" r:id="rId16"/>
+    <p:sldId id="265" r:id="rId17"/>
   </p:sldIdLst>
   <p:sldSz cx="14630400" cy="8229600"/>
   <p:notesSz cx="8229600" cy="14630400"/>
   <p:embeddedFontLst>
     <p:embeddedFont>
-      <p:font typeface="Alexandria" pitchFamily="34" charset="0"/>
-      <p:bold r:id="rId18"/>
+      <p:font typeface="Calibri" panose="020F0502020204030204" charset="0"/>
+      <p:regular r:id="rId21"/>
+      <p:bold r:id="rId22"/>
+      <p:italic r:id="rId23"/>
+      <p:boldItalic r:id="rId24"/>
     </p:embeddedFont>
     <p:embeddedFont>
       <p:font typeface="Alexandria" pitchFamily="34" charset="-122"/>
-      <p:bold r:id="rId19"/>
+      <p:bold r:id="rId25"/>
+    </p:embeddedFont>
+    <p:embeddedFont>
+      <p:font typeface="Nobile" panose="02000503050000020004" pitchFamily="34" charset="-122"/>
+      <p:bold r:id="rId26"/>
+    </p:embeddedFont>
+    <p:embeddedFont>
+      <p:font typeface="Alexandria" pitchFamily="34" charset="0"/>
+      <p:bold r:id="rId27"/>
     </p:embeddedFont>
     <p:embeddedFont>
       <p:font typeface="Alexandria" pitchFamily="34" charset="-120"/>
-      <p:bold r:id="rId20"/>
+      <p:bold r:id="rId28"/>
     </p:embeddedFont>
     <p:embeddedFont>
       <p:font typeface="Nobile" panose="02000503050000020004" pitchFamily="34" charset="0"/>
-      <p:bold r:id="rId21"/>
-    </p:embeddedFont>
-    <p:embeddedFont>
-      <p:font typeface="Nobile" panose="02000503050000020004" pitchFamily="34" charset="-122"/>
-      <p:bold r:id="rId22"/>
+      <p:bold r:id="rId29"/>
     </p:embeddedFont>
     <p:embeddedFont>
       <p:font typeface="Nobile" panose="02000503050000020004" pitchFamily="34" charset="-120"/>
-      <p:bold r:id="rId23"/>
-    </p:embeddedFont>
-    <p:embeddedFont>
-      <p:font typeface="Calibri" panose="020F0502020204030204" charset="0"/>
-      <p:regular r:id="rId24"/>
-      <p:bold r:id="rId25"/>
-      <p:italic r:id="rId26"/>
-      <p:boldItalic r:id="rId27"/>
+      <p:bold r:id="rId30"/>
     </p:embeddedFont>
   </p:embeddedFontLst>
   <p:defaultTextStyle>
@@ -654,6 +657,240 @@
 </file>
 
 <file path=ppt/notesSlides/notesSlide11.xml><?xml version="1.0" encoding="utf-8"?>
+<p:notes xmlns:a="http://schemas.openxmlformats.org/drawingml/2006/main" xmlns:r="http://schemas.openxmlformats.org/officeDocument/2006/relationships" xmlns:p="http://schemas.openxmlformats.org/presentationml/2006/main">
+  <p:cSld>
+    <p:spTree>
+      <p:nvGrpSpPr>
+        <p:cNvPr id="1" name=""/>
+        <p:cNvGrpSpPr/>
+        <p:nvPr/>
+      </p:nvGrpSpPr>
+      <p:grpSpPr>
+        <a:xfrm>
+          <a:off x="0" y="0"/>
+          <a:ext cx="0" cy="0"/>
+          <a:chOff x="0" y="0"/>
+          <a:chExt cx="0" cy="0"/>
+        </a:xfrm>
+      </p:grpSpPr>
+      <p:sp>
+        <p:nvSpPr>
+          <p:cNvPr id="2" name="Slide Image Placeholder 1"/>
+          <p:cNvSpPr>
+            <a:spLocks noGrp="1" noRot="1" noChangeAspect="1"/>
+          </p:cNvSpPr>
+          <p:nvPr>
+            <p:ph type="sldImg"/>
+          </p:nvPr>
+        </p:nvSpPr>
+        <p:spPr/>
+      </p:sp>
+      <p:sp>
+        <p:nvSpPr>
+          <p:cNvPr id="3" name="Notes Placeholder 2"/>
+          <p:cNvSpPr>
+            <a:spLocks noGrp="1"/>
+          </p:cNvSpPr>
+          <p:nvPr>
+            <p:ph type="body" idx="1"/>
+          </p:nvPr>
+        </p:nvSpPr>
+        <p:spPr/>
+        <p:txBody>
+          <a:bodyPr/>
+          <a:lstStyle/>
+          <a:p>
+            <a:endParaRPr lang="en-US" dirty="0"/>
+          </a:p>
+        </p:txBody>
+      </p:sp>
+      <p:sp>
+        <p:nvSpPr>
+          <p:cNvPr id="4" name="Slide Number Placeholder 3"/>
+          <p:cNvSpPr>
+            <a:spLocks noGrp="1"/>
+          </p:cNvSpPr>
+          <p:nvPr>
+            <p:ph type="sldNum" sz="quarter" idx="10"/>
+          </p:nvPr>
+        </p:nvSpPr>
+        <p:spPr/>
+        <p:txBody>
+          <a:bodyPr/>
+          <a:lstStyle/>
+          <a:p>
+            <a:fld id="{F7021451-1387-4CA6-816F-3879F97B5CBC}" type="slidenum">
+              <a:rPr lang="en-US"/>
+            </a:fld>
+            <a:endParaRPr lang="en-US"/>
+          </a:p>
+        </p:txBody>
+      </p:sp>
+    </p:spTree>
+  </p:cSld>
+  <p:clrMapOvr>
+    <a:masterClrMapping/>
+  </p:clrMapOvr>
+</p:notes>
+</file>
+
+<file path=ppt/notesSlides/notesSlide12.xml><?xml version="1.0" encoding="utf-8"?>
+<p:notes xmlns:a="http://schemas.openxmlformats.org/drawingml/2006/main" xmlns:r="http://schemas.openxmlformats.org/officeDocument/2006/relationships" xmlns:p="http://schemas.openxmlformats.org/presentationml/2006/main">
+  <p:cSld>
+    <p:spTree>
+      <p:nvGrpSpPr>
+        <p:cNvPr id="1" name=""/>
+        <p:cNvGrpSpPr/>
+        <p:nvPr/>
+      </p:nvGrpSpPr>
+      <p:grpSpPr>
+        <a:xfrm>
+          <a:off x="0" y="0"/>
+          <a:ext cx="0" cy="0"/>
+          <a:chOff x="0" y="0"/>
+          <a:chExt cx="0" cy="0"/>
+        </a:xfrm>
+      </p:grpSpPr>
+      <p:sp>
+        <p:nvSpPr>
+          <p:cNvPr id="2" name="Slide Image Placeholder 1"/>
+          <p:cNvSpPr>
+            <a:spLocks noGrp="1" noRot="1" noChangeAspect="1"/>
+          </p:cNvSpPr>
+          <p:nvPr>
+            <p:ph type="sldImg"/>
+          </p:nvPr>
+        </p:nvSpPr>
+        <p:spPr/>
+      </p:sp>
+      <p:sp>
+        <p:nvSpPr>
+          <p:cNvPr id="3" name="Notes Placeholder 2"/>
+          <p:cNvSpPr>
+            <a:spLocks noGrp="1"/>
+          </p:cNvSpPr>
+          <p:nvPr>
+            <p:ph type="body" idx="1"/>
+          </p:nvPr>
+        </p:nvSpPr>
+        <p:spPr/>
+        <p:txBody>
+          <a:bodyPr/>
+          <a:lstStyle/>
+          <a:p>
+            <a:endParaRPr lang="en-US" dirty="0"/>
+          </a:p>
+        </p:txBody>
+      </p:sp>
+      <p:sp>
+        <p:nvSpPr>
+          <p:cNvPr id="4" name="Slide Number Placeholder 3"/>
+          <p:cNvSpPr>
+            <a:spLocks noGrp="1"/>
+          </p:cNvSpPr>
+          <p:nvPr>
+            <p:ph type="sldNum" sz="quarter" idx="10"/>
+          </p:nvPr>
+        </p:nvSpPr>
+        <p:spPr/>
+        <p:txBody>
+          <a:bodyPr/>
+          <a:lstStyle/>
+          <a:p>
+            <a:fld id="{F7021451-1387-4CA6-816F-3879F97B5CBC}" type="slidenum">
+              <a:rPr lang="en-US"/>
+            </a:fld>
+            <a:endParaRPr lang="en-US"/>
+          </a:p>
+        </p:txBody>
+      </p:sp>
+    </p:spTree>
+  </p:cSld>
+  <p:clrMapOvr>
+    <a:masterClrMapping/>
+  </p:clrMapOvr>
+</p:notes>
+</file>
+
+<file path=ppt/notesSlides/notesSlide13.xml><?xml version="1.0" encoding="utf-8"?>
+<p:notes xmlns:a="http://schemas.openxmlformats.org/drawingml/2006/main" xmlns:r="http://schemas.openxmlformats.org/officeDocument/2006/relationships" xmlns:p="http://schemas.openxmlformats.org/presentationml/2006/main">
+  <p:cSld>
+    <p:spTree>
+      <p:nvGrpSpPr>
+        <p:cNvPr id="1" name=""/>
+        <p:cNvGrpSpPr/>
+        <p:nvPr/>
+      </p:nvGrpSpPr>
+      <p:grpSpPr>
+        <a:xfrm>
+          <a:off x="0" y="0"/>
+          <a:ext cx="0" cy="0"/>
+          <a:chOff x="0" y="0"/>
+          <a:chExt cx="0" cy="0"/>
+        </a:xfrm>
+      </p:grpSpPr>
+      <p:sp>
+        <p:nvSpPr>
+          <p:cNvPr id="2" name="Slide Image Placeholder 1"/>
+          <p:cNvSpPr>
+            <a:spLocks noGrp="1" noRot="1" noChangeAspect="1"/>
+          </p:cNvSpPr>
+          <p:nvPr>
+            <p:ph type="sldImg"/>
+          </p:nvPr>
+        </p:nvSpPr>
+        <p:spPr/>
+      </p:sp>
+      <p:sp>
+        <p:nvSpPr>
+          <p:cNvPr id="3" name="Notes Placeholder 2"/>
+          <p:cNvSpPr>
+            <a:spLocks noGrp="1"/>
+          </p:cNvSpPr>
+          <p:nvPr>
+            <p:ph type="body" idx="1"/>
+          </p:nvPr>
+        </p:nvSpPr>
+        <p:spPr/>
+        <p:txBody>
+          <a:bodyPr/>
+          <a:lstStyle/>
+          <a:p>
+            <a:endParaRPr lang="en-US" dirty="0"/>
+          </a:p>
+        </p:txBody>
+      </p:sp>
+      <p:sp>
+        <p:nvSpPr>
+          <p:cNvPr id="4" name="Slide Number Placeholder 3"/>
+          <p:cNvSpPr>
+            <a:spLocks noGrp="1"/>
+          </p:cNvSpPr>
+          <p:nvPr>
+            <p:ph type="sldNum" sz="quarter" idx="10"/>
+          </p:nvPr>
+        </p:nvSpPr>
+        <p:spPr/>
+        <p:txBody>
+          <a:bodyPr/>
+          <a:lstStyle/>
+          <a:p>
+            <a:fld id="{F7021451-1387-4CA6-816F-3879F97B5CBC}" type="slidenum">
+              <a:rPr lang="en-US"/>
+            </a:fld>
+            <a:endParaRPr lang="en-US"/>
+          </a:p>
+        </p:txBody>
+      </p:sp>
+    </p:spTree>
+  </p:cSld>
+  <p:clrMapOvr>
+    <a:masterClrMapping/>
+  </p:clrMapOvr>
+</p:notes>
+</file>
+
+<file path=ppt/notesSlides/notesSlide14.xml><?xml version="1.0" encoding="utf-8"?>
 <p:notes xmlns:a="http://schemas.openxmlformats.org/drawingml/2006/main" xmlns:r="http://schemas.openxmlformats.org/officeDocument/2006/relationships" xmlns:p="http://schemas.openxmlformats.org/presentationml/2006/main">
   <p:cSld>
     <p:spTree>
@@ -5949,7 +6186,7 @@
       </p:sp>
       <p:pic>
         <p:nvPicPr>
-          <p:cNvPr id="14" name="Изображение 13"/>
+          <p:cNvPr id="3" name="Изображение 2"/>
           <p:cNvPicPr>
             <a:picLocks noChangeAspect="1"/>
           </p:cNvPicPr>
@@ -5963,8 +6200,8 @@
         </p:blipFill>
         <p:spPr>
           <a:xfrm>
-            <a:off x="9253855" y="1381125"/>
-            <a:ext cx="5105400" cy="5467350"/>
+            <a:off x="9369425" y="485775"/>
+            <a:ext cx="5036185" cy="6757670"/>
           </a:xfrm>
           <a:prstGeom prst="rect">
             <a:avLst/>
@@ -6004,6 +6241,818 @@
         </p:nvSpPr>
         <p:spPr>
           <a:xfrm>
+            <a:off x="7588250" y="0"/>
+            <a:ext cx="7042150" cy="8229600"/>
+          </a:xfrm>
+          <a:prstGeom prst="rect">
+            <a:avLst/>
+          </a:prstGeom>
+          <a:solidFill>
+            <a:srgbClr val="E6E6E7"/>
+          </a:solidFill>
+        </p:spPr>
+      </p:sp>
+      <p:sp>
+        <p:nvSpPr>
+          <p:cNvPr id="4" name="Text 1"/>
+          <p:cNvSpPr/>
+          <p:nvPr/>
+        </p:nvSpPr>
+        <p:spPr>
+          <a:xfrm>
+            <a:off x="793790" y="1796058"/>
+            <a:ext cx="6823710" cy="708779"/>
+          </a:xfrm>
+          <a:prstGeom prst="rect">
+            <a:avLst/>
+          </a:prstGeom>
+          <a:noFill/>
+        </p:spPr>
+        <p:txBody>
+          <a:bodyPr wrap="none" lIns="0" tIns="0" rIns="0" bIns="0" rtlCol="0" anchor="t"/>
+          <a:lstStyle/>
+          <a:p>
+            <a:pPr marL="0" indent="0" algn="l">
+              <a:lnSpc>
+                <a:spcPts val="5550"/>
+              </a:lnSpc>
+              <a:buNone/>
+            </a:pPr>
+            <a:r>
+              <a:rPr lang="ru-RU" sz="4450" dirty="0"/>
+              <a:t>Модерация артов</a:t>
+            </a:r>
+            <a:endParaRPr lang="ru-RU" sz="4450" dirty="0"/>
+          </a:p>
+        </p:txBody>
+      </p:sp>
+      <p:sp>
+        <p:nvSpPr>
+          <p:cNvPr id="11" name="Shape 8"/>
+          <p:cNvSpPr/>
+          <p:nvPr/>
+        </p:nvSpPr>
+        <p:spPr>
+          <a:xfrm>
+            <a:off x="723265" y="3804920"/>
+            <a:ext cx="4652645" cy="1322070"/>
+          </a:xfrm>
+          <a:prstGeom prst="roundRect">
+            <a:avLst>
+              <a:gd name="adj" fmla="val 7205"/>
+            </a:avLst>
+          </a:prstGeom>
+          <a:solidFill>
+            <a:srgbClr val="D2DDF9"/>
+          </a:solidFill>
+          <a:ln w="7620">
+            <a:solidFill>
+              <a:srgbClr val="B8C3DF"/>
+            </a:solidFill>
+            <a:prstDash val="solid"/>
+          </a:ln>
+        </p:spPr>
+      </p:sp>
+      <p:sp>
+        <p:nvSpPr>
+          <p:cNvPr id="12" name="Text 9"/>
+          <p:cNvSpPr/>
+          <p:nvPr/>
+        </p:nvSpPr>
+        <p:spPr>
+          <a:xfrm>
+            <a:off x="897414" y="4039473"/>
+            <a:ext cx="2835235" cy="354330"/>
+          </a:xfrm>
+          <a:prstGeom prst="rect">
+            <a:avLst/>
+          </a:prstGeom>
+          <a:noFill/>
+        </p:spPr>
+        <p:txBody>
+          <a:bodyPr wrap="none" lIns="0" tIns="0" rIns="0" bIns="0" rtlCol="0" anchor="t"/>
+          <a:lstStyle/>
+          <a:p>
+            <a:pPr marL="0" indent="0" algn="l">
+              <a:lnSpc>
+                <a:spcPts val="2750"/>
+              </a:lnSpc>
+              <a:buNone/>
+            </a:pPr>
+            <a:r>
+              <a:rPr lang="en-US" sz="2200" dirty="0">
+                <a:solidFill>
+                  <a:srgbClr val="404155"/>
+                </a:solidFill>
+                <a:latin typeface="Alexandria" pitchFamily="34" charset="0"/>
+                <a:ea typeface="Alexandria" pitchFamily="34" charset="-122"/>
+                <a:cs typeface="Alexandria" pitchFamily="34" charset="-120"/>
+              </a:rPr>
+              <a:t>Управление артами</a:t>
+            </a:r>
+            <a:endParaRPr lang="en-US" sz="2200" dirty="0"/>
+          </a:p>
+        </p:txBody>
+      </p:sp>
+      <p:sp>
+        <p:nvSpPr>
+          <p:cNvPr id="13" name="Text 10"/>
+          <p:cNvSpPr/>
+          <p:nvPr/>
+        </p:nvSpPr>
+        <p:spPr>
+          <a:xfrm>
+            <a:off x="897255" y="4530090"/>
+            <a:ext cx="4456430" cy="363220"/>
+          </a:xfrm>
+          <a:prstGeom prst="rect">
+            <a:avLst/>
+          </a:prstGeom>
+          <a:noFill/>
+        </p:spPr>
+        <p:txBody>
+          <a:bodyPr wrap="none" lIns="0" tIns="0" rIns="0" bIns="0" rtlCol="0" anchor="t"/>
+          <a:lstStyle/>
+          <a:p>
+            <a:pPr marL="0" indent="0" algn="l">
+              <a:lnSpc>
+                <a:spcPts val="2850"/>
+              </a:lnSpc>
+              <a:buNone/>
+            </a:pPr>
+            <a:r>
+              <a:rPr lang="en-US" sz="1750" dirty="0">
+                <a:solidFill>
+                  <a:srgbClr val="404155"/>
+                </a:solidFill>
+                <a:latin typeface="Nobile" panose="02000503050000020004" pitchFamily="34" charset="0"/>
+                <a:ea typeface="Nobile" panose="02000503050000020004" pitchFamily="34" charset="-122"/>
+                <a:cs typeface="Nobile" panose="02000503050000020004" pitchFamily="34" charset="-120"/>
+              </a:rPr>
+              <a:t>Модерация и контроль контента</a:t>
+            </a:r>
+            <a:endParaRPr lang="en-US" sz="1750" dirty="0"/>
+          </a:p>
+        </p:txBody>
+      </p:sp>
+      <p:pic>
+        <p:nvPicPr>
+          <p:cNvPr id="14" name="Изображение 13"/>
+          <p:cNvPicPr>
+            <a:picLocks noChangeAspect="1"/>
+          </p:cNvPicPr>
+          <p:nvPr/>
+        </p:nvPicPr>
+        <p:blipFill>
+          <a:blip r:embed="rId1"/>
+          <a:stretch>
+            <a:fillRect/>
+          </a:stretch>
+        </p:blipFill>
+        <p:spPr>
+          <a:xfrm>
+            <a:off x="8236585" y="1017905"/>
+            <a:ext cx="5524500" cy="5229225"/>
+          </a:xfrm>
+          <a:prstGeom prst="rect">
+            <a:avLst/>
+          </a:prstGeom>
+        </p:spPr>
+      </p:pic>
+    </p:spTree>
+  </p:cSld>
+  <p:clrMapOvr>
+    <a:masterClrMapping/>
+  </p:clrMapOvr>
+</p:sld>
+</file>
+
+<file path=ppt/slides/slide12.xml><?xml version="1.0" encoding="utf-8"?>
+<p:sld xmlns:a="http://schemas.openxmlformats.org/drawingml/2006/main" xmlns:r="http://schemas.openxmlformats.org/officeDocument/2006/relationships" xmlns:p="http://schemas.openxmlformats.org/presentationml/2006/main">
+  <p:cSld>
+    <p:spTree>
+      <p:nvGrpSpPr>
+        <p:cNvPr id="1" name=""/>
+        <p:cNvGrpSpPr/>
+        <p:nvPr/>
+      </p:nvGrpSpPr>
+      <p:grpSpPr>
+        <a:xfrm>
+          <a:off x="0" y="0"/>
+          <a:ext cx="0" cy="0"/>
+          <a:chOff x="0" y="0"/>
+          <a:chExt cx="0" cy="0"/>
+        </a:xfrm>
+      </p:grpSpPr>
+      <p:sp>
+        <p:nvSpPr>
+          <p:cNvPr id="2" name="Shape 0"/>
+          <p:cNvSpPr/>
+          <p:nvPr/>
+        </p:nvSpPr>
+        <p:spPr>
+          <a:xfrm>
+            <a:off x="7588250" y="0"/>
+            <a:ext cx="7042150" cy="8229600"/>
+          </a:xfrm>
+          <a:prstGeom prst="rect">
+            <a:avLst/>
+          </a:prstGeom>
+          <a:solidFill>
+            <a:srgbClr val="E6E6E7"/>
+          </a:solidFill>
+        </p:spPr>
+      </p:sp>
+      <p:sp>
+        <p:nvSpPr>
+          <p:cNvPr id="4" name="Text 1"/>
+          <p:cNvSpPr/>
+          <p:nvPr/>
+        </p:nvSpPr>
+        <p:spPr>
+          <a:xfrm>
+            <a:off x="793790" y="1796058"/>
+            <a:ext cx="6823710" cy="708779"/>
+          </a:xfrm>
+          <a:prstGeom prst="rect">
+            <a:avLst/>
+          </a:prstGeom>
+          <a:noFill/>
+        </p:spPr>
+        <p:txBody>
+          <a:bodyPr wrap="none" lIns="0" tIns="0" rIns="0" bIns="0" rtlCol="0" anchor="t"/>
+          <a:lstStyle/>
+          <a:p>
+            <a:pPr marL="0" indent="0" algn="l">
+              <a:lnSpc>
+                <a:spcPts val="5550"/>
+              </a:lnSpc>
+              <a:buNone/>
+            </a:pPr>
+            <a:r>
+              <a:rPr lang="ru-RU" altLang="ru-RU" sz="4450" dirty="0"/>
+              <a:t>Задания</a:t>
+            </a:r>
+            <a:endParaRPr lang="ru-RU" altLang="ru-RU" sz="4450" dirty="0"/>
+          </a:p>
+        </p:txBody>
+      </p:sp>
+      <p:sp>
+        <p:nvSpPr>
+          <p:cNvPr id="11" name="Shape 8"/>
+          <p:cNvSpPr/>
+          <p:nvPr/>
+        </p:nvSpPr>
+        <p:spPr>
+          <a:xfrm>
+            <a:off x="723265" y="3804920"/>
+            <a:ext cx="4652645" cy="1322070"/>
+          </a:xfrm>
+          <a:prstGeom prst="roundRect">
+            <a:avLst>
+              <a:gd name="adj" fmla="val 7205"/>
+            </a:avLst>
+          </a:prstGeom>
+          <a:solidFill>
+            <a:srgbClr val="D2DDF9"/>
+          </a:solidFill>
+          <a:ln w="7620">
+            <a:solidFill>
+              <a:srgbClr val="B8C3DF"/>
+            </a:solidFill>
+            <a:prstDash val="solid"/>
+          </a:ln>
+        </p:spPr>
+      </p:sp>
+      <p:sp>
+        <p:nvSpPr>
+          <p:cNvPr id="12" name="Text 9"/>
+          <p:cNvSpPr/>
+          <p:nvPr/>
+        </p:nvSpPr>
+        <p:spPr>
+          <a:xfrm>
+            <a:off x="897414" y="4039473"/>
+            <a:ext cx="2835235" cy="354330"/>
+          </a:xfrm>
+          <a:prstGeom prst="rect">
+            <a:avLst/>
+          </a:prstGeom>
+          <a:noFill/>
+        </p:spPr>
+        <p:txBody>
+          <a:bodyPr wrap="none" lIns="0" tIns="0" rIns="0" bIns="0" rtlCol="0" anchor="t"/>
+          <a:lstStyle/>
+          <a:p>
+            <a:pPr marL="0" indent="0" algn="l">
+              <a:lnSpc>
+                <a:spcPts val="2750"/>
+              </a:lnSpc>
+              <a:buNone/>
+            </a:pPr>
+            <a:r>
+              <a:rPr lang="ru-RU" altLang="en-US" sz="2200" dirty="0">
+                <a:solidFill>
+                  <a:srgbClr val="404155"/>
+                </a:solidFill>
+                <a:latin typeface="Alexandria" pitchFamily="34" charset="0"/>
+                <a:ea typeface="Alexandria" pitchFamily="34" charset="-122"/>
+                <a:cs typeface="Alexandria" pitchFamily="34" charset="-120"/>
+              </a:rPr>
+              <a:t>Начисление награды	</a:t>
+            </a:r>
+            <a:endParaRPr lang="ru-RU" altLang="en-US" sz="2200" dirty="0">
+              <a:solidFill>
+                <a:srgbClr val="404155"/>
+              </a:solidFill>
+              <a:latin typeface="Alexandria" pitchFamily="34" charset="0"/>
+              <a:ea typeface="Alexandria" pitchFamily="34" charset="-122"/>
+              <a:cs typeface="Alexandria" pitchFamily="34" charset="-120"/>
+            </a:endParaRPr>
+          </a:p>
+        </p:txBody>
+      </p:sp>
+      <p:sp>
+        <p:nvSpPr>
+          <p:cNvPr id="13" name="Text 10"/>
+          <p:cNvSpPr/>
+          <p:nvPr/>
+        </p:nvSpPr>
+        <p:spPr>
+          <a:xfrm>
+            <a:off x="897255" y="4530090"/>
+            <a:ext cx="4456430" cy="363220"/>
+          </a:xfrm>
+          <a:prstGeom prst="rect">
+            <a:avLst/>
+          </a:prstGeom>
+          <a:noFill/>
+        </p:spPr>
+        <p:txBody>
+          <a:bodyPr wrap="none" lIns="0" tIns="0" rIns="0" bIns="0" rtlCol="0" anchor="t"/>
+          <a:lstStyle/>
+          <a:p>
+            <a:pPr marL="0" indent="0" algn="l">
+              <a:lnSpc>
+                <a:spcPts val="2850"/>
+              </a:lnSpc>
+              <a:buNone/>
+            </a:pPr>
+            <a:r>
+              <a:rPr lang="ru-RU" altLang="en-US" sz="1750" dirty="0">
+                <a:solidFill>
+                  <a:srgbClr val="404155"/>
+                </a:solidFill>
+                <a:latin typeface="Nobile" panose="02000503050000020004" pitchFamily="34" charset="0"/>
+                <a:ea typeface="Nobile" panose="02000503050000020004" pitchFamily="34" charset="-122"/>
+                <a:cs typeface="Nobile" panose="02000503050000020004" pitchFamily="34" charset="-120"/>
+              </a:rPr>
+              <a:t>За выполнение заданий</a:t>
+            </a:r>
+            <a:endParaRPr lang="ru-RU" altLang="en-US" sz="1750" dirty="0">
+              <a:solidFill>
+                <a:srgbClr val="404155"/>
+              </a:solidFill>
+              <a:latin typeface="Nobile" panose="02000503050000020004" pitchFamily="34" charset="0"/>
+              <a:ea typeface="Nobile" panose="02000503050000020004" pitchFamily="34" charset="-122"/>
+              <a:cs typeface="Nobile" panose="02000503050000020004" pitchFamily="34" charset="-120"/>
+            </a:endParaRPr>
+          </a:p>
+        </p:txBody>
+      </p:sp>
+      <p:pic>
+        <p:nvPicPr>
+          <p:cNvPr id="3" name="Изображение 2"/>
+          <p:cNvPicPr>
+            <a:picLocks noChangeAspect="1"/>
+          </p:cNvPicPr>
+          <p:nvPr/>
+        </p:nvPicPr>
+        <p:blipFill>
+          <a:blip r:embed="rId1"/>
+          <a:stretch>
+            <a:fillRect/>
+          </a:stretch>
+        </p:blipFill>
+        <p:spPr>
+          <a:xfrm>
+            <a:off x="7849870" y="2589530"/>
+            <a:ext cx="6518275" cy="2402205"/>
+          </a:xfrm>
+          <a:prstGeom prst="rect">
+            <a:avLst/>
+          </a:prstGeom>
+        </p:spPr>
+      </p:pic>
+    </p:spTree>
+  </p:cSld>
+  <p:clrMapOvr>
+    <a:masterClrMapping/>
+  </p:clrMapOvr>
+</p:sld>
+</file>
+
+<file path=ppt/slides/slide13.xml><?xml version="1.0" encoding="utf-8"?>
+<p:sld xmlns:a="http://schemas.openxmlformats.org/drawingml/2006/main" xmlns:r="http://schemas.openxmlformats.org/officeDocument/2006/relationships" xmlns:p="http://schemas.openxmlformats.org/presentationml/2006/main">
+  <p:cSld>
+    <p:spTree>
+      <p:nvGrpSpPr>
+        <p:cNvPr id="1" name=""/>
+        <p:cNvGrpSpPr/>
+        <p:nvPr/>
+      </p:nvGrpSpPr>
+      <p:grpSpPr>
+        <a:xfrm>
+          <a:off x="0" y="0"/>
+          <a:ext cx="0" cy="0"/>
+          <a:chOff x="0" y="0"/>
+          <a:chExt cx="0" cy="0"/>
+        </a:xfrm>
+      </p:grpSpPr>
+      <p:sp>
+        <p:nvSpPr>
+          <p:cNvPr id="2" name="Text 0"/>
+          <p:cNvSpPr/>
+          <p:nvPr/>
+        </p:nvSpPr>
+        <p:spPr>
+          <a:xfrm>
+            <a:off x="518200" y="752753"/>
+            <a:ext cx="5693569" cy="708779"/>
+          </a:xfrm>
+          <a:prstGeom prst="rect">
+            <a:avLst/>
+          </a:prstGeom>
+          <a:noFill/>
+        </p:spPr>
+        <p:txBody>
+          <a:bodyPr wrap="none" lIns="0" tIns="0" rIns="0" bIns="0" rtlCol="0" anchor="t"/>
+          <a:lstStyle/>
+          <a:p>
+            <a:pPr marL="0" indent="0" algn="l">
+              <a:lnSpc>
+                <a:spcPts val="5550"/>
+              </a:lnSpc>
+              <a:buNone/>
+            </a:pPr>
+            <a:r>
+              <a:rPr lang="ru-RU" sz="4450" dirty="0"/>
+              <a:t>Кейсы</a:t>
+            </a:r>
+            <a:endParaRPr lang="ru-RU" sz="4450" dirty="0"/>
+          </a:p>
+        </p:txBody>
+      </p:sp>
+      <p:sp>
+        <p:nvSpPr>
+          <p:cNvPr id="3" name="Text 1"/>
+          <p:cNvSpPr/>
+          <p:nvPr/>
+        </p:nvSpPr>
+        <p:spPr>
+          <a:xfrm>
+            <a:off x="518200" y="2028507"/>
+            <a:ext cx="2835235" cy="354330"/>
+          </a:xfrm>
+          <a:prstGeom prst="rect">
+            <a:avLst/>
+          </a:prstGeom>
+          <a:noFill/>
+        </p:spPr>
+        <p:txBody>
+          <a:bodyPr wrap="none" lIns="0" tIns="0" rIns="0" bIns="0" rtlCol="0" anchor="t"/>
+          <a:lstStyle/>
+          <a:p>
+            <a:pPr marL="0" indent="0" algn="l">
+              <a:lnSpc>
+                <a:spcPts val="2750"/>
+              </a:lnSpc>
+              <a:buNone/>
+            </a:pPr>
+            <a:r>
+              <a:rPr lang="ru-RU" altLang="en-US" sz="2200" dirty="0">
+                <a:solidFill>
+                  <a:srgbClr val="1B1B27"/>
+                </a:solidFill>
+                <a:latin typeface="Alexandria" pitchFamily="34" charset="0"/>
+                <a:ea typeface="Alexandria" pitchFamily="34" charset="-122"/>
+                <a:cs typeface="Alexandria" pitchFamily="34" charset="-120"/>
+              </a:rPr>
+              <a:t>Покупка</a:t>
+            </a:r>
+            <a:endParaRPr lang="ru-RU" altLang="en-US" sz="2200" dirty="0">
+              <a:solidFill>
+                <a:srgbClr val="1B1B27"/>
+              </a:solidFill>
+              <a:latin typeface="Alexandria" pitchFamily="34" charset="0"/>
+              <a:ea typeface="Alexandria" pitchFamily="34" charset="-122"/>
+              <a:cs typeface="Alexandria" pitchFamily="34" charset="-120"/>
+            </a:endParaRPr>
+          </a:p>
+        </p:txBody>
+      </p:sp>
+      <p:sp>
+        <p:nvSpPr>
+          <p:cNvPr id="4" name="Text 2"/>
+          <p:cNvSpPr/>
+          <p:nvPr/>
+        </p:nvSpPr>
+        <p:spPr>
+          <a:xfrm>
+            <a:off x="518200" y="2609652"/>
+            <a:ext cx="6244709" cy="362903"/>
+          </a:xfrm>
+          <a:prstGeom prst="rect">
+            <a:avLst/>
+          </a:prstGeom>
+          <a:noFill/>
+        </p:spPr>
+        <p:txBody>
+          <a:bodyPr wrap="none" lIns="0" tIns="0" rIns="0" bIns="0" rtlCol="0" anchor="t"/>
+          <a:lstStyle/>
+          <a:p>
+            <a:pPr marL="0" indent="0" algn="l">
+              <a:lnSpc>
+                <a:spcPts val="2850"/>
+              </a:lnSpc>
+              <a:buNone/>
+            </a:pPr>
+            <a:r>
+              <a:rPr lang="ru-RU" sz="1750" dirty="0">
+                <a:solidFill>
+                  <a:srgbClr val="404155"/>
+                </a:solidFill>
+                <a:latin typeface="Nobile" panose="02000503050000020004" pitchFamily="34" charset="0"/>
+                <a:ea typeface="Nobile" panose="02000503050000020004" pitchFamily="34" charset="-122"/>
+                <a:cs typeface="Nobile" panose="02000503050000020004" pitchFamily="34" charset="-120"/>
+              </a:rPr>
+              <a:t>стоимтость кейса - </a:t>
+            </a:r>
+            <a:r>
+              <a:rPr lang="ru-RU" sz="1750" b="1" dirty="0">
+                <a:solidFill>
+                  <a:srgbClr val="404155"/>
+                </a:solidFill>
+                <a:latin typeface="Nobile" panose="02000503050000020004" pitchFamily="34" charset="0"/>
+                <a:ea typeface="Nobile" panose="02000503050000020004" pitchFamily="34" charset="-122"/>
+                <a:cs typeface="Nobile" panose="02000503050000020004" pitchFamily="34" charset="-120"/>
+              </a:rPr>
+              <a:t>20</a:t>
+            </a:r>
+            <a:r>
+              <a:rPr lang="ru-RU" sz="1750" dirty="0">
+                <a:solidFill>
+                  <a:srgbClr val="404155"/>
+                </a:solidFill>
+                <a:latin typeface="Nobile" panose="02000503050000020004" pitchFamily="34" charset="0"/>
+                <a:ea typeface="Nobile" panose="02000503050000020004" pitchFamily="34" charset="-122"/>
+                <a:cs typeface="Nobile" panose="02000503050000020004" pitchFamily="34" charset="-120"/>
+              </a:rPr>
+              <a:t> </a:t>
+            </a:r>
+            <a:r>
+              <a:rPr lang="en-US" sz="1750" dirty="0">
+                <a:solidFill>
+                  <a:srgbClr val="404155"/>
+                </a:solidFill>
+                <a:latin typeface="Nobile" panose="02000503050000020004" pitchFamily="34" charset="0"/>
+                <a:ea typeface="Nobile" panose="02000503050000020004" pitchFamily="34" charset="-122"/>
+                <a:cs typeface="Nobile" panose="02000503050000020004" pitchFamily="34" charset="-120"/>
+              </a:rPr>
+              <a:t>RYT</a:t>
+            </a:r>
+            <a:endParaRPr lang="en-US" sz="1750" dirty="0">
+              <a:solidFill>
+                <a:srgbClr val="404155"/>
+              </a:solidFill>
+              <a:latin typeface="Nobile" panose="02000503050000020004" pitchFamily="34" charset="0"/>
+              <a:ea typeface="Nobile" panose="02000503050000020004" pitchFamily="34" charset="-122"/>
+              <a:cs typeface="Nobile" panose="02000503050000020004" pitchFamily="34" charset="-120"/>
+            </a:endParaRPr>
+          </a:p>
+        </p:txBody>
+      </p:sp>
+      <p:sp>
+        <p:nvSpPr>
+          <p:cNvPr id="5" name="Text 3"/>
+          <p:cNvSpPr/>
+          <p:nvPr/>
+        </p:nvSpPr>
+        <p:spPr>
+          <a:xfrm>
+            <a:off x="518001" y="3677602"/>
+            <a:ext cx="2877503" cy="354330"/>
+          </a:xfrm>
+          <a:prstGeom prst="rect">
+            <a:avLst/>
+          </a:prstGeom>
+          <a:noFill/>
+        </p:spPr>
+        <p:txBody>
+          <a:bodyPr wrap="none" lIns="0" tIns="0" rIns="0" bIns="0" rtlCol="0" anchor="t"/>
+          <a:lstStyle/>
+          <a:p>
+            <a:pPr marL="0" indent="0" algn="l">
+              <a:lnSpc>
+                <a:spcPts val="2750"/>
+              </a:lnSpc>
+              <a:buNone/>
+            </a:pPr>
+            <a:r>
+              <a:rPr lang="ru-RU" altLang="ru-RU" sz="2200" dirty="0">
+                <a:solidFill>
+                  <a:srgbClr val="1B1B27"/>
+                </a:solidFill>
+                <a:latin typeface="Alexandria" pitchFamily="34" charset="0"/>
+                <a:ea typeface="Alexandria" pitchFamily="34" charset="-122"/>
+                <a:cs typeface="Alexandria" pitchFamily="34" charset="-120"/>
+              </a:rPr>
+              <a:t>Открытие</a:t>
+            </a:r>
+            <a:endParaRPr lang="ru-RU" altLang="ru-RU" sz="2200" dirty="0">
+              <a:solidFill>
+                <a:srgbClr val="1B1B27"/>
+              </a:solidFill>
+              <a:latin typeface="Alexandria" pitchFamily="34" charset="0"/>
+              <a:ea typeface="Alexandria" pitchFamily="34" charset="-122"/>
+              <a:cs typeface="Alexandria" pitchFamily="34" charset="-120"/>
+            </a:endParaRPr>
+          </a:p>
+        </p:txBody>
+      </p:sp>
+      <p:sp>
+        <p:nvSpPr>
+          <p:cNvPr id="6" name="Text 4"/>
+          <p:cNvSpPr/>
+          <p:nvPr/>
+        </p:nvSpPr>
+        <p:spPr>
+          <a:xfrm>
+            <a:off x="518160" y="4258945"/>
+            <a:ext cx="3683000" cy="363220"/>
+          </a:xfrm>
+          <a:prstGeom prst="rect">
+            <a:avLst/>
+          </a:prstGeom>
+          <a:noFill/>
+        </p:spPr>
+        <p:txBody>
+          <a:bodyPr wrap="none" lIns="0" tIns="0" rIns="0" bIns="0" rtlCol="0" anchor="t"/>
+          <a:lstStyle/>
+          <a:p>
+            <a:pPr marL="0" indent="0" algn="l">
+              <a:lnSpc>
+                <a:spcPts val="2850"/>
+              </a:lnSpc>
+              <a:buNone/>
+            </a:pPr>
+            <a:r>
+              <a:rPr lang="ru-RU" altLang="en-US" sz="1750" dirty="0">
+                <a:solidFill>
+                  <a:srgbClr val="404155"/>
+                </a:solidFill>
+                <a:latin typeface="Nobile" panose="02000503050000020004" pitchFamily="34" charset="0"/>
+                <a:ea typeface="Nobile" panose="02000503050000020004" pitchFamily="34" charset="-122"/>
+                <a:cs typeface="Nobile" panose="02000503050000020004" pitchFamily="34" charset="-120"/>
+              </a:rPr>
+              <a:t>Пользователю выдается </a:t>
+            </a:r>
+            <a:r>
+              <a:rPr lang="ru-RU" altLang="en-US" sz="1750" b="1" dirty="0">
+                <a:solidFill>
+                  <a:srgbClr val="404155"/>
+                </a:solidFill>
+                <a:latin typeface="Nobile" panose="02000503050000020004" pitchFamily="34" charset="0"/>
+                <a:ea typeface="Nobile" panose="02000503050000020004" pitchFamily="34" charset="-122"/>
+                <a:cs typeface="Nobile" panose="02000503050000020004" pitchFamily="34" charset="-120"/>
+              </a:rPr>
+              <a:t>3</a:t>
+            </a:r>
+            <a:r>
+              <a:rPr lang="ru-RU" altLang="en-US" sz="1750" dirty="0">
+                <a:solidFill>
+                  <a:srgbClr val="404155"/>
+                </a:solidFill>
+                <a:latin typeface="Nobile" panose="02000503050000020004" pitchFamily="34" charset="0"/>
+                <a:ea typeface="Nobile" panose="02000503050000020004" pitchFamily="34" charset="-122"/>
+                <a:cs typeface="Nobile" panose="02000503050000020004" pitchFamily="34" charset="-120"/>
+              </a:rPr>
+              <a:t> </a:t>
+            </a:r>
+            <a:endParaRPr lang="ru-RU" altLang="en-US" sz="1750" dirty="0">
+              <a:solidFill>
+                <a:srgbClr val="404155"/>
+              </a:solidFill>
+              <a:latin typeface="Nobile" panose="02000503050000020004" pitchFamily="34" charset="0"/>
+              <a:ea typeface="Nobile" panose="02000503050000020004" pitchFamily="34" charset="-122"/>
+              <a:cs typeface="Nobile" panose="02000503050000020004" pitchFamily="34" charset="-120"/>
+            </a:endParaRPr>
+          </a:p>
+          <a:p>
+            <a:pPr marL="0" indent="0" algn="l">
+              <a:lnSpc>
+                <a:spcPts val="2850"/>
+              </a:lnSpc>
+              <a:buNone/>
+            </a:pPr>
+            <a:r>
+              <a:rPr lang="ru-RU" altLang="en-US" sz="1750" dirty="0">
+                <a:solidFill>
+                  <a:srgbClr val="404155"/>
+                </a:solidFill>
+                <a:latin typeface="Nobile" panose="02000503050000020004" pitchFamily="34" charset="0"/>
+                <a:ea typeface="Nobile" panose="02000503050000020004" pitchFamily="34" charset="-122"/>
+                <a:cs typeface="Nobile" panose="02000503050000020004" pitchFamily="34" charset="-120"/>
+              </a:rPr>
+              <a:t>случайных атрибута арта</a:t>
+            </a:r>
+            <a:endParaRPr lang="ru-RU" altLang="en-US" sz="1750" dirty="0">
+              <a:solidFill>
+                <a:srgbClr val="404155"/>
+              </a:solidFill>
+              <a:latin typeface="Nobile" panose="02000503050000020004" pitchFamily="34" charset="0"/>
+              <a:ea typeface="Nobile" panose="02000503050000020004" pitchFamily="34" charset="-122"/>
+              <a:cs typeface="Nobile" panose="02000503050000020004" pitchFamily="34" charset="-120"/>
+            </a:endParaRPr>
+          </a:p>
+        </p:txBody>
+      </p:sp>
+      <p:sp>
+        <p:nvSpPr>
+          <p:cNvPr id="7" name="Shape 0"/>
+          <p:cNvSpPr/>
+          <p:nvPr/>
+        </p:nvSpPr>
+        <p:spPr>
+          <a:xfrm>
+            <a:off x="6019800" y="0"/>
+            <a:ext cx="8610600" cy="8229600"/>
+          </a:xfrm>
+          <a:prstGeom prst="rect">
+            <a:avLst/>
+          </a:prstGeom>
+          <a:solidFill>
+            <a:srgbClr val="E6E6E7"/>
+          </a:solidFill>
+        </p:spPr>
+      </p:sp>
+      <p:pic>
+        <p:nvPicPr>
+          <p:cNvPr id="11" name="Изображение 10"/>
+          <p:cNvPicPr>
+            <a:picLocks noChangeAspect="1"/>
+          </p:cNvPicPr>
+          <p:nvPr/>
+        </p:nvPicPr>
+        <p:blipFill>
+          <a:blip r:embed="rId1"/>
+          <a:stretch>
+            <a:fillRect/>
+          </a:stretch>
+        </p:blipFill>
+        <p:spPr>
+          <a:xfrm>
+            <a:off x="6671310" y="2290445"/>
+            <a:ext cx="6995160" cy="3314700"/>
+          </a:xfrm>
+          <a:prstGeom prst="rect">
+            <a:avLst/>
+          </a:prstGeom>
+        </p:spPr>
+      </p:pic>
+    </p:spTree>
+  </p:cSld>
+  <p:clrMapOvr>
+    <a:masterClrMapping/>
+  </p:clrMapOvr>
+</p:sld>
+</file>
+
+<file path=ppt/slides/slide14.xml><?xml version="1.0" encoding="utf-8"?>
+<p:sld xmlns:a="http://schemas.openxmlformats.org/drawingml/2006/main" xmlns:r="http://schemas.openxmlformats.org/officeDocument/2006/relationships" xmlns:p="http://schemas.openxmlformats.org/presentationml/2006/main">
+  <p:cSld>
+    <p:spTree>
+      <p:nvGrpSpPr>
+        <p:cNvPr id="1" name=""/>
+        <p:cNvGrpSpPr/>
+        <p:nvPr/>
+      </p:nvGrpSpPr>
+      <p:grpSpPr>
+        <a:xfrm>
+          <a:off x="0" y="0"/>
+          <a:ext cx="0" cy="0"/>
+          <a:chOff x="0" y="0"/>
+          <a:chExt cx="0" cy="0"/>
+        </a:xfrm>
+      </p:grpSpPr>
+      <p:sp>
+        <p:nvSpPr>
+          <p:cNvPr id="2" name="Shape 0"/>
+          <p:cNvSpPr/>
+          <p:nvPr/>
+        </p:nvSpPr>
+        <p:spPr>
+          <a:xfrm>
             <a:off x="0" y="0"/>
             <a:ext cx="5486400" cy="8229600"/>
           </a:xfrm>
@@ -7792,8 +8841,8 @@
         </p:nvSpPr>
         <p:spPr>
           <a:xfrm>
-            <a:off x="9144000" y="0"/>
-            <a:ext cx="5486400" cy="8229600"/>
+            <a:off x="6932295" y="0"/>
+            <a:ext cx="7788910" cy="8229600"/>
           </a:xfrm>
           <a:prstGeom prst="rect">
             <a:avLst/>
@@ -7811,8 +8860,8 @@
         </p:nvSpPr>
         <p:spPr>
           <a:xfrm>
-            <a:off x="793790" y="2510195"/>
-            <a:ext cx="7478078" cy="708779"/>
+            <a:off x="283845" y="833120"/>
+            <a:ext cx="4965065" cy="708660"/>
           </a:xfrm>
           <a:prstGeom prst="rect">
             <a:avLst/>
@@ -7838,7 +8887,34 @@
                 <a:ea typeface="Alexandria" pitchFamily="34" charset="-122"/>
                 <a:cs typeface="Alexandria" pitchFamily="34" charset="-120"/>
               </a:rPr>
-              <a:t>Создание и продажа артов</a:t>
+              <a:t>Создание и продажа </a:t>
+            </a:r>
+            <a:endParaRPr lang="en-US" sz="4450" dirty="0">
+              <a:solidFill>
+                <a:srgbClr val="1B1B27"/>
+              </a:solidFill>
+              <a:latin typeface="Alexandria" pitchFamily="34" charset="0"/>
+              <a:ea typeface="Alexandria" pitchFamily="34" charset="-122"/>
+              <a:cs typeface="Alexandria" pitchFamily="34" charset="-120"/>
+            </a:endParaRPr>
+          </a:p>
+          <a:p>
+            <a:pPr marL="0" indent="0" algn="l">
+              <a:lnSpc>
+                <a:spcPts val="5550"/>
+              </a:lnSpc>
+              <a:buNone/>
+            </a:pPr>
+            <a:r>
+              <a:rPr lang="en-US" sz="4450" dirty="0">
+                <a:solidFill>
+                  <a:srgbClr val="1B1B27"/>
+                </a:solidFill>
+                <a:latin typeface="Alexandria" pitchFamily="34" charset="0"/>
+                <a:ea typeface="Alexandria" pitchFamily="34" charset="-122"/>
+                <a:cs typeface="Alexandria" pitchFamily="34" charset="-120"/>
+              </a:rPr>
+              <a:t>артов</a:t>
             </a:r>
             <a:endParaRPr lang="en-US" sz="4450" dirty="0"/>
           </a:p>
@@ -7852,8 +8928,8 @@
         </p:nvSpPr>
         <p:spPr>
           <a:xfrm>
-            <a:off x="793790" y="3559135"/>
-            <a:ext cx="170021" cy="853321"/>
+            <a:off x="283845" y="2472055"/>
+            <a:ext cx="149860" cy="853440"/>
           </a:xfrm>
           <a:prstGeom prst="roundRect">
             <a:avLst>
@@ -7879,8 +8955,8 @@
         </p:nvSpPr>
         <p:spPr>
           <a:xfrm>
-            <a:off x="1303973" y="3559135"/>
-            <a:ext cx="2835235" cy="354330"/>
+            <a:off x="794385" y="2472055"/>
+            <a:ext cx="2491740" cy="354330"/>
           </a:xfrm>
           <a:prstGeom prst="rect">
             <a:avLst/>
@@ -7920,8 +8996,8 @@
         </p:nvSpPr>
         <p:spPr>
           <a:xfrm>
-            <a:off x="1303973" y="4049554"/>
-            <a:ext cx="7046238" cy="362903"/>
+            <a:off x="794385" y="2962275"/>
+            <a:ext cx="6192520" cy="363220"/>
           </a:xfrm>
           <a:prstGeom prst="rect">
             <a:avLst/>
@@ -7961,8 +9037,8 @@
         </p:nvSpPr>
         <p:spPr>
           <a:xfrm>
-            <a:off x="1133951" y="4639270"/>
-            <a:ext cx="170021" cy="853321"/>
+            <a:off x="624205" y="3552190"/>
+            <a:ext cx="149860" cy="853440"/>
           </a:xfrm>
           <a:prstGeom prst="roundRect">
             <a:avLst>
@@ -7988,8 +9064,8 @@
         </p:nvSpPr>
         <p:spPr>
           <a:xfrm>
-            <a:off x="1644134" y="4639270"/>
-            <a:ext cx="2835235" cy="354330"/>
+            <a:off x="1134110" y="3552190"/>
+            <a:ext cx="2491740" cy="354330"/>
           </a:xfrm>
           <a:prstGeom prst="rect">
             <a:avLst/>
@@ -8029,8 +9105,8 @@
         </p:nvSpPr>
         <p:spPr>
           <a:xfrm>
-            <a:off x="1644134" y="5129689"/>
-            <a:ext cx="6706076" cy="362903"/>
+            <a:off x="1134110" y="4042410"/>
+            <a:ext cx="5893435" cy="363220"/>
           </a:xfrm>
           <a:prstGeom prst="rect">
             <a:avLst/>
@@ -8064,7 +9140,7 @@
       </p:sp>
       <p:pic>
         <p:nvPicPr>
-          <p:cNvPr id="13" name="Изображение 12"/>
+          <p:cNvPr id="3" name="Изображение 2"/>
           <p:cNvPicPr>
             <a:picLocks noChangeAspect="1"/>
           </p:cNvPicPr>
@@ -8078,8 +9154,8 @@
         </p:blipFill>
         <p:spPr>
           <a:xfrm>
-            <a:off x="9923145" y="2510155"/>
-            <a:ext cx="3646805" cy="2891790"/>
+            <a:off x="7027545" y="1541780"/>
+            <a:ext cx="7521575" cy="4447540"/>
           </a:xfrm>
           <a:prstGeom prst="rect">
             <a:avLst/>
@@ -8120,7 +9196,7 @@
         <p:spPr>
           <a:xfrm>
             <a:off x="0" y="0"/>
-            <a:ext cx="5486400" cy="8229600"/>
+            <a:ext cx="6309995" cy="8229600"/>
           </a:xfrm>
           <a:prstGeom prst="rect">
             <a:avLst/>
@@ -8138,7 +9214,7 @@
         </p:nvSpPr>
         <p:spPr>
           <a:xfrm>
-            <a:off x="6280190" y="2077879"/>
+            <a:off x="6712625" y="2077879"/>
             <a:ext cx="7556421" cy="1417558"/>
           </a:xfrm>
           <a:prstGeom prst="rect">
@@ -8179,7 +9255,7 @@
         </p:nvSpPr>
         <p:spPr>
           <a:xfrm>
-            <a:off x="6280190" y="3835598"/>
+            <a:off x="6712625" y="3835598"/>
             <a:ext cx="510302" cy="510302"/>
           </a:xfrm>
           <a:prstGeom prst="roundRect">
@@ -8206,7 +9282,7 @@
         </p:nvSpPr>
         <p:spPr>
           <a:xfrm>
-            <a:off x="7017306" y="3913465"/>
+            <a:off x="7449741" y="3913465"/>
             <a:ext cx="2835235" cy="354330"/>
           </a:xfrm>
           <a:prstGeom prst="rect">
@@ -8247,7 +9323,7 @@
         </p:nvSpPr>
         <p:spPr>
           <a:xfrm>
-            <a:off x="7017306" y="4403884"/>
+            <a:off x="7449741" y="4403884"/>
             <a:ext cx="6819305" cy="362903"/>
           </a:xfrm>
           <a:prstGeom prst="rect">
@@ -8288,7 +9364,7 @@
         </p:nvSpPr>
         <p:spPr>
           <a:xfrm>
-            <a:off x="6280190" y="5220414"/>
+            <a:off x="6712625" y="5220414"/>
             <a:ext cx="510302" cy="510302"/>
           </a:xfrm>
           <a:prstGeom prst="roundRect">
@@ -8315,7 +9391,7 @@
         </p:nvSpPr>
         <p:spPr>
           <a:xfrm>
-            <a:off x="7017306" y="5298281"/>
+            <a:off x="7449741" y="5298281"/>
             <a:ext cx="2835235" cy="354330"/>
           </a:xfrm>
           <a:prstGeom prst="rect">
@@ -8356,7 +9432,7 @@
         </p:nvSpPr>
         <p:spPr>
           <a:xfrm>
-            <a:off x="7017306" y="5788700"/>
+            <a:off x="7449741" y="5788700"/>
             <a:ext cx="6819305" cy="362903"/>
           </a:xfrm>
           <a:prstGeom prst="rect">
@@ -8391,7 +9467,7 @@
       </p:sp>
       <p:pic>
         <p:nvPicPr>
-          <p:cNvPr id="12" name="Изображение 11"/>
+          <p:cNvPr id="3" name="Изображение 2"/>
           <p:cNvPicPr>
             <a:picLocks noChangeAspect="1"/>
           </p:cNvPicPr>
@@ -8405,8 +9481,8 @@
         </p:blipFill>
         <p:spPr>
           <a:xfrm>
-            <a:off x="184150" y="2528570"/>
-            <a:ext cx="5238750" cy="3124200"/>
+            <a:off x="105410" y="1342390"/>
+            <a:ext cx="6099810" cy="4809490"/>
           </a:xfrm>
           <a:prstGeom prst="rect">
             <a:avLst/>
@@ -8797,7 +9873,7 @@
       </p:sp>
       <p:pic>
         <p:nvPicPr>
-          <p:cNvPr id="11" name="Изображение 10"/>
+          <p:cNvPr id="8" name="Изображение 7"/>
           <p:cNvPicPr>
             <a:picLocks noChangeAspect="1"/>
           </p:cNvPicPr>
@@ -8811,8 +9887,8 @@
         </p:blipFill>
         <p:spPr>
           <a:xfrm>
-            <a:off x="6213475" y="1257935"/>
-            <a:ext cx="8416925" cy="6102985"/>
+            <a:off x="6453505" y="133350"/>
+            <a:ext cx="7743825" cy="7962900"/>
           </a:xfrm>
           <a:prstGeom prst="rect">
             <a:avLst/>
